--- a/Document/오지원/중점연구과제/중점연구과제_초.pptx
+++ b/Document/오지원/중점연구과제/중점연구과제_초.pptx
@@ -7,6 +7,7 @@
   <p:sldIdLst>
     <p:sldId id="256" r:id="rId2"/>
     <p:sldId id="260" r:id="rId3"/>
+    <p:sldId id="262" r:id="rId4"/>
   </p:sldIdLst>
   <p:sldSz cx="12192000" cy="6858000"/>
   <p:notesSz cx="6858000" cy="9144000"/>
@@ -116,7 +117,7 @@
 <file path=ppt/revisionInfo.xml><?xml version="1.0" encoding="utf-8"?>
 <p1510:revInfo xmlns:a="http://schemas.openxmlformats.org/drawingml/2006/main" xmlns:r="http://schemas.openxmlformats.org/officeDocument/2006/relationships" xmlns:p1510="http://schemas.microsoft.com/office/powerpoint/2015/10/main">
   <p1510:revLst>
-    <p1510:client id="{06AE27AA-0B0C-4501-B7C9-0093186AB981}" v="250" dt="2024-11-13T03:09:41.453"/>
+    <p1510:client id="{54F10706-D872-4392-A5E6-108AB3A03037}" v="303" dt="2024-11-26T16:20:03.496"/>
   </p1510:revLst>
 </p1510:revInfo>
 </file>
@@ -250,7 +251,7 @@
           <a:p>
             <a:fld id="{2566825D-2B69-4989-8861-A6901ABADB6C}" type="datetimeFigureOut">
               <a:rPr lang="ko-KR" altLang="en-US" smtClean="0"/>
-              <a:t>2024-11-12</a:t>
+              <a:t>2024-11-26</a:t>
             </a:fld>
             <a:endParaRPr lang="ko-KR" altLang="en-US"/>
           </a:p>
@@ -418,7 +419,7 @@
           <a:p>
             <a:fld id="{2566825D-2B69-4989-8861-A6901ABADB6C}" type="datetimeFigureOut">
               <a:rPr lang="ko-KR" altLang="en-US" smtClean="0"/>
-              <a:t>2024-11-12</a:t>
+              <a:t>2024-11-26</a:t>
             </a:fld>
             <a:endParaRPr lang="ko-KR" altLang="en-US"/>
           </a:p>
@@ -596,7 +597,7 @@
           <a:p>
             <a:fld id="{2566825D-2B69-4989-8861-A6901ABADB6C}" type="datetimeFigureOut">
               <a:rPr lang="ko-KR" altLang="en-US" smtClean="0"/>
-              <a:t>2024-11-12</a:t>
+              <a:t>2024-11-26</a:t>
             </a:fld>
             <a:endParaRPr lang="ko-KR" altLang="en-US"/>
           </a:p>
@@ -764,7 +765,7 @@
           <a:p>
             <a:fld id="{2566825D-2B69-4989-8861-A6901ABADB6C}" type="datetimeFigureOut">
               <a:rPr lang="ko-KR" altLang="en-US" smtClean="0"/>
-              <a:t>2024-11-12</a:t>
+              <a:t>2024-11-26</a:t>
             </a:fld>
             <a:endParaRPr lang="ko-KR" altLang="en-US"/>
           </a:p>
@@ -1009,7 +1010,7 @@
           <a:p>
             <a:fld id="{2566825D-2B69-4989-8861-A6901ABADB6C}" type="datetimeFigureOut">
               <a:rPr lang="ko-KR" altLang="en-US" smtClean="0"/>
-              <a:t>2024-11-12</a:t>
+              <a:t>2024-11-26</a:t>
             </a:fld>
             <a:endParaRPr lang="ko-KR" altLang="en-US"/>
           </a:p>
@@ -1238,7 +1239,7 @@
           <a:p>
             <a:fld id="{2566825D-2B69-4989-8861-A6901ABADB6C}" type="datetimeFigureOut">
               <a:rPr lang="ko-KR" altLang="en-US" smtClean="0"/>
-              <a:t>2024-11-12</a:t>
+              <a:t>2024-11-26</a:t>
             </a:fld>
             <a:endParaRPr lang="ko-KR" altLang="en-US"/>
           </a:p>
@@ -1602,7 +1603,7 @@
           <a:p>
             <a:fld id="{2566825D-2B69-4989-8861-A6901ABADB6C}" type="datetimeFigureOut">
               <a:rPr lang="ko-KR" altLang="en-US" smtClean="0"/>
-              <a:t>2024-11-12</a:t>
+              <a:t>2024-11-26</a:t>
             </a:fld>
             <a:endParaRPr lang="ko-KR" altLang="en-US"/>
           </a:p>
@@ -1719,7 +1720,7 @@
           <a:p>
             <a:fld id="{2566825D-2B69-4989-8861-A6901ABADB6C}" type="datetimeFigureOut">
               <a:rPr lang="ko-KR" altLang="en-US" smtClean="0"/>
-              <a:t>2024-11-12</a:t>
+              <a:t>2024-11-26</a:t>
             </a:fld>
             <a:endParaRPr lang="ko-KR" altLang="en-US"/>
           </a:p>
@@ -1814,7 +1815,7 @@
           <a:p>
             <a:fld id="{2566825D-2B69-4989-8861-A6901ABADB6C}" type="datetimeFigureOut">
               <a:rPr lang="ko-KR" altLang="en-US" smtClean="0"/>
-              <a:t>2024-11-12</a:t>
+              <a:t>2024-11-26</a:t>
             </a:fld>
             <a:endParaRPr lang="ko-KR" altLang="en-US"/>
           </a:p>
@@ -2089,7 +2090,7 @@
           <a:p>
             <a:fld id="{2566825D-2B69-4989-8861-A6901ABADB6C}" type="datetimeFigureOut">
               <a:rPr lang="ko-KR" altLang="en-US" smtClean="0"/>
-              <a:t>2024-11-12</a:t>
+              <a:t>2024-11-26</a:t>
             </a:fld>
             <a:endParaRPr lang="ko-KR" altLang="en-US"/>
           </a:p>
@@ -2341,7 +2342,7 @@
           <a:p>
             <a:fld id="{2566825D-2B69-4989-8861-A6901ABADB6C}" type="datetimeFigureOut">
               <a:rPr lang="ko-KR" altLang="en-US" smtClean="0"/>
-              <a:t>2024-11-12</a:t>
+              <a:t>2024-11-26</a:t>
             </a:fld>
             <a:endParaRPr lang="ko-KR" altLang="en-US"/>
           </a:p>
@@ -2552,7 +2553,7 @@
           <a:p>
             <a:fld id="{2566825D-2B69-4989-8861-A6901ABADB6C}" type="datetimeFigureOut">
               <a:rPr lang="ko-KR" altLang="en-US" smtClean="0"/>
-              <a:t>2024-11-12</a:t>
+              <a:t>2024-11-26</a:t>
             </a:fld>
             <a:endParaRPr lang="ko-KR" altLang="en-US"/>
           </a:p>
@@ -3081,10 +3082,44 @@
               <a:buChar char="-"/>
             </a:pPr>
             <a:r>
+              <a:rPr lang="ko-KR" altLang="en-US" dirty="0" err="1">
+                <a:ea typeface="맑은 고딕"/>
+              </a:rPr>
+              <a:t>피직스</a:t>
+            </a:r>
+            <a:r>
               <a:rPr lang="ko-KR" altLang="en-US" dirty="0">
                 <a:ea typeface="맑은 고딕"/>
               </a:rPr>
-              <a:t>클로스 기능</a:t>
+              <a:t> </a:t>
+            </a:r>
+            <a:r>
+              <a:rPr lang="ko-KR" altLang="en-US" dirty="0" err="1">
+                <a:ea typeface="맑은 고딕"/>
+              </a:rPr>
+              <a:t>에셋을준비하여</a:t>
+            </a:r>
+            <a:br>
+              <a:rPr lang="ko-KR" altLang="en-US" dirty="0">
+                <a:ea typeface="맑은 고딕"/>
+              </a:rPr>
+            </a:br>
+            <a:r>
+              <a:rPr lang="ko-KR" altLang="en-US" dirty="0">
+                <a:ea typeface="맑은 고딕"/>
+              </a:rPr>
+              <a:t>애니메이션과 함께 사용하여</a:t>
+            </a:r>
+            <a:br>
+              <a:rPr lang="ko-KR" altLang="en-US" dirty="0">
+                <a:ea typeface="맑은 고딕"/>
+              </a:rPr>
+            </a:br>
+            <a:r>
+              <a:rPr lang="ko-KR" altLang="en-US" dirty="0">
+                <a:ea typeface="맑은 고딕"/>
+              </a:rPr>
+              <a:t>다양한 연출</a:t>
             </a:r>
           </a:p>
           <a:p>
@@ -3236,32 +3271,120 @@
           </a:lstStyle>
           <a:p>
             <a:r>
+              <a:rPr lang="ko-KR" altLang="en-US" sz="3000" dirty="0" err="1">
+                <a:ea typeface="맑은 고딕"/>
+              </a:rPr>
+              <a:t>모프타겟을</a:t>
+            </a:r>
+            <a:r>
               <a:rPr lang="ko-KR" altLang="en-US" sz="3000" dirty="0">
                 <a:ea typeface="맑은 고딕"/>
               </a:rPr>
-              <a:t>카메라 </a:t>
-            </a:r>
-            <a:r>
-              <a:rPr lang="ko-KR" altLang="en-US" sz="3000" err="1">
+              <a:t> 활용한 표정구현</a:t>
+            </a:r>
+          </a:p>
+        </p:txBody>
+      </p:sp>
+      <p:sp>
+        <p:nvSpPr>
+          <p:cNvPr id="11" name="TextBox 10">
+            <a:extLst>
+              <a:ext uri="{FF2B5EF4-FFF2-40B4-BE49-F238E27FC236}">
+                <a16:creationId xmlns:a16="http://schemas.microsoft.com/office/drawing/2014/main" id="{EE801642-E8B2-AFB8-7D74-011432D780A7}"/>
+              </a:ext>
+            </a:extLst>
+          </p:cNvPr>
+          <p:cNvSpPr txBox="1"/>
+          <p:nvPr/>
+        </p:nvSpPr>
+        <p:spPr>
+          <a:xfrm>
+            <a:off x="453080" y="1925594"/>
+            <a:ext cx="6744729" cy="1200329"/>
+          </a:xfrm>
+          <a:prstGeom prst="rect">
+            <a:avLst/>
+          </a:prstGeom>
+          <a:noFill/>
+        </p:spPr>
+        <p:txBody>
+          <a:bodyPr rot="0" spcFirstLastPara="0" vertOverflow="overflow" horzOverflow="overflow" vert="horz" wrap="square" lIns="91440" tIns="45720" rIns="91440" bIns="45720" numCol="1" spcCol="0" rtlCol="0" fromWordArt="0" anchor="t" anchorCtr="0" forceAA="0" compatLnSpc="1">
+            <a:prstTxWarp prst="textNoShape">
+              <a:avLst/>
+            </a:prstTxWarp>
+            <a:spAutoFit/>
+          </a:bodyPr>
+          <a:lstStyle/>
+          <a:p>
+            <a:pPr marL="285750" indent="-285750">
+              <a:buFont typeface="Calibri"/>
+              <a:buChar char="-"/>
+            </a:pPr>
+            <a:r>
+              <a:rPr lang="ko-KR" altLang="en-US" dirty="0" err="1">
                 <a:ea typeface="맑은 고딕"/>
               </a:rPr>
-              <a:t>쉐이크</a:t>
-            </a:r>
-            <a:r>
-              <a:rPr lang="ko-KR" altLang="en-US" sz="3000">
+              <a:t>모프타겟을</a:t>
+            </a:r>
+            <a:r>
+              <a:rPr lang="ko-KR" altLang="en-US" dirty="0">
                 <a:ea typeface="맑은 고딕"/>
               </a:rPr>
-              <a:t> 시스템 커스터마이징</a:t>
-            </a:r>
+              <a:t> 이용하여 표정, 눈 깜빡임 등 얼굴묘사</a:t>
+            </a:r>
+          </a:p>
+          <a:p>
+            <a:pPr marL="285750" indent="-285750">
+              <a:buFont typeface="Calibri"/>
+              <a:buChar char="-"/>
+            </a:pPr>
+            <a:r>
+              <a:rPr lang="ko-KR" altLang="en-US" dirty="0">
+                <a:ea typeface="맑은 고딕"/>
+              </a:rPr>
+              <a:t>플레이어 상태와 술래 </a:t>
+            </a:r>
+            <a:r>
+              <a:rPr lang="ko-KR" altLang="en-US" dirty="0" err="1">
+                <a:ea typeface="맑은 고딕"/>
+              </a:rPr>
+              <a:t>위치등과</a:t>
+            </a:r>
+            <a:r>
+              <a:rPr lang="ko-KR" altLang="en-US" dirty="0">
+                <a:ea typeface="맑은 고딕"/>
+              </a:rPr>
+              <a:t> 연결하여</a:t>
+            </a:r>
+            <a:br>
+              <a:rPr lang="ko-KR" altLang="en-US" dirty="0">
+                <a:ea typeface="맑은 고딕"/>
+              </a:rPr>
+            </a:br>
+            <a:r>
+              <a:rPr lang="ko-KR" altLang="en-US" dirty="0">
+                <a:ea typeface="맑은 고딕"/>
+              </a:rPr>
+              <a:t>상황에 따른 표정 구현 </a:t>
+            </a:r>
+          </a:p>
+          <a:p>
+            <a:pPr marL="285750" indent="-285750">
+              <a:buFont typeface="Calibri"/>
+              <a:buChar char="-"/>
+            </a:pPr>
+            <a:endParaRPr lang="ko-KR" altLang="en-US" dirty="0">
+              <a:ea typeface="맑은 고딕" panose="020B0503020000020004" pitchFamily="34" charset="-127"/>
+            </a:endParaRPr>
           </a:p>
         </p:txBody>
       </p:sp>
       <p:pic>
         <p:nvPicPr>
-          <p:cNvPr id="7" name="내용 개체 틀 3" descr="만화 영화, PC 게임, CG 아트워크, 스크린샷이(가) 표시된 사진&#10;&#10;자동 생성된 설명">
+          <p:cNvPr id="2" name="그림 1" descr="만화 영화, 인간의 얼굴, 스크린샷이(가) 표시된 사진&#10;&#10;자동 생성된 설명">
             <a:extLst>
               <a:ext uri="{FF2B5EF4-FFF2-40B4-BE49-F238E27FC236}">
-                <a16:creationId xmlns:a16="http://schemas.microsoft.com/office/drawing/2014/main" id="{466B827D-A5A3-0715-C1F9-A35570EED4A2}"/>
+                <a16:creationId xmlns:a16="http://schemas.microsoft.com/office/drawing/2014/main" id="{23D43A48-F30C-8163-E0CA-ECA29734A772}"/>
               </a:ext>
             </a:extLst>
           </p:cNvPr>
@@ -3278,8 +3401,8 @@
         </p:blipFill>
         <p:spPr>
           <a:xfrm>
-            <a:off x="7673568" y="1027680"/>
-            <a:ext cx="3811722" cy="2844801"/>
+            <a:off x="7704446" y="859724"/>
+            <a:ext cx="3276600" cy="1714500"/>
           </a:xfrm>
           <a:prstGeom prst="rect">
             <a:avLst/>
@@ -3288,10 +3411,10 @@
       </p:pic>
       <p:pic>
         <p:nvPicPr>
-          <p:cNvPr id="9" name="그림 8">
+          <p:cNvPr id="3" name="그림 2" descr="인간의 얼굴, 사람, 의류, 실내이(가) 표시된 사진&#10;&#10;자동 생성된 설명">
             <a:extLst>
               <a:ext uri="{FF2B5EF4-FFF2-40B4-BE49-F238E27FC236}">
-                <a16:creationId xmlns:a16="http://schemas.microsoft.com/office/drawing/2014/main" id="{9529D994-6F64-2AFF-229B-EA12FB6770F6}"/>
+                <a16:creationId xmlns:a16="http://schemas.microsoft.com/office/drawing/2014/main" id="{D88652FA-55C4-AB26-81A4-D95366AA7DDE}"/>
               </a:ext>
             </a:extLst>
           </p:cNvPr>
@@ -3308,14 +3431,107 @@
         </p:blipFill>
         <p:spPr>
           <a:xfrm>
-            <a:off x="7675201" y="3878943"/>
-            <a:ext cx="3067050" cy="1676400"/>
+            <a:off x="7702154" y="2754581"/>
+            <a:ext cx="3439523" cy="3026229"/>
           </a:xfrm>
           <a:prstGeom prst="rect">
             <a:avLst/>
           </a:prstGeom>
         </p:spPr>
       </p:pic>
+    </p:spTree>
+    <p:extLst>
+      <p:ext uri="{BB962C8B-B14F-4D97-AF65-F5344CB8AC3E}">
+        <p14:creationId xmlns:p14="http://schemas.microsoft.com/office/powerpoint/2010/main" val="3282511220"/>
+      </p:ext>
+    </p:extLst>
+  </p:cSld>
+  <p:clrMapOvr>
+    <a:masterClrMapping/>
+  </p:clrMapOvr>
+</p:sld>
+</file>
+
+<file path=ppt/slides/slide3.xml><?xml version="1.0" encoding="utf-8"?>
+<p:sld xmlns:a="http://schemas.openxmlformats.org/drawingml/2006/main" xmlns:r="http://schemas.openxmlformats.org/officeDocument/2006/relationships" xmlns:p="http://schemas.openxmlformats.org/presentationml/2006/main">
+  <p:cSld>
+    <p:spTree>
+      <p:nvGrpSpPr>
+        <p:cNvPr id="1" name=""/>
+        <p:cNvGrpSpPr/>
+        <p:nvPr/>
+      </p:nvGrpSpPr>
+      <p:grpSpPr>
+        <a:xfrm>
+          <a:off x="0" y="0"/>
+          <a:ext cx="0" cy="0"/>
+          <a:chOff x="0" y="0"/>
+          <a:chExt cx="0" cy="0"/>
+        </a:xfrm>
+      </p:grpSpPr>
+      <p:sp>
+        <p:nvSpPr>
+          <p:cNvPr id="5" name="제목 1">
+            <a:extLst>
+              <a:ext uri="{FF2B5EF4-FFF2-40B4-BE49-F238E27FC236}">
+                <a16:creationId xmlns:a16="http://schemas.microsoft.com/office/drawing/2014/main" id="{73264D94-E495-1BCD-5AEF-3A7B267323E4}"/>
+              </a:ext>
+            </a:extLst>
+          </p:cNvPr>
+          <p:cNvSpPr txBox="1">
+            <a:spLocks/>
+          </p:cNvSpPr>
+          <p:nvPr/>
+        </p:nvSpPr>
+        <p:spPr>
+          <a:xfrm>
+            <a:off x="990600" y="517525"/>
+            <a:ext cx="10515600" cy="1325563"/>
+          </a:xfrm>
+          <a:prstGeom prst="rect">
+            <a:avLst/>
+          </a:prstGeom>
+        </p:spPr>
+        <p:txBody>
+          <a:bodyPr vert="horz" lIns="91440" tIns="45720" rIns="91440" bIns="45720" rtlCol="0" anchor="ctr">
+            <a:normAutofit/>
+          </a:bodyPr>
+          <a:lstStyle>
+            <a:lvl1pPr algn="l" defTabSz="914400" rtl="0" eaLnBrk="1" latinLnBrk="1" hangingPunct="1">
+              <a:lnSpc>
+                <a:spcPct val="90000"/>
+              </a:lnSpc>
+              <a:spcBef>
+                <a:spcPct val="0"/>
+              </a:spcBef>
+              <a:buNone/>
+              <a:defRPr sz="4400" kern="1200">
+                <a:solidFill>
+                  <a:schemeClr val="tx1"/>
+                </a:solidFill>
+                <a:latin typeface="+mj-lt"/>
+                <a:ea typeface="+mj-ea"/>
+                <a:cs typeface="+mj-cs"/>
+              </a:defRPr>
+            </a:lvl1pPr>
+          </a:lstStyle>
+          <a:p>
+            <a:r>
+              <a:rPr lang="ko-KR" altLang="en-US" sz="3000" dirty="0" err="1">
+                <a:ea typeface="맑은 고딕"/>
+              </a:rPr>
+              <a:t>머터리얼</a:t>
+            </a:r>
+            <a:r>
+              <a:rPr lang="ko-KR" altLang="en-US" sz="3000" dirty="0">
+                <a:ea typeface="맑은 고딕"/>
+              </a:rPr>
+              <a:t> 다이나믹 인스턴스</a:t>
+            </a:r>
+            <a:endParaRPr lang="ko-KR" dirty="0"/>
+          </a:p>
+        </p:txBody>
+      </p:sp>
       <p:sp>
         <p:nvSpPr>
           <p:cNvPr id="11" name="TextBox 10">
@@ -3331,7 +3547,7 @@
         <p:spPr>
           <a:xfrm>
             <a:off x="453080" y="1925594"/>
-            <a:ext cx="6744729" cy="369332"/>
+            <a:ext cx="6744729" cy="1477328"/>
           </a:xfrm>
           <a:prstGeom prst="rect">
             <a:avLst/>
@@ -3355,22 +3571,58 @@
               <a:rPr lang="ko-KR" altLang="en-US" dirty="0">
                 <a:ea typeface="맑은 고딕"/>
               </a:rPr>
-              <a:t>카메라 </a:t>
-            </a:r>
+              <a:t>  재질의 동적인 변화를 활용한 연출효과</a:t>
+            </a:r>
+          </a:p>
+          <a:p>
+            <a:pPr marL="285750" indent="-285750">
+              <a:buFont typeface="Calibri"/>
+              <a:buChar char="-"/>
+            </a:pPr>
+            <a:r>
+              <a:rPr lang="ko-KR" altLang="en-US" dirty="0">
+                <a:ea typeface="맑은 고딕"/>
+              </a:rPr>
+              <a:t>  오브젝트와의 상호작용 및 게임 진행상황에 따라 달라지는 오브젝트 구현</a:t>
+            </a:r>
+          </a:p>
+          <a:p>
+            <a:pPr marL="285750" indent="-285750">
+              <a:buFont typeface="Calibri"/>
+              <a:buChar char="-"/>
+            </a:pPr>
             <a:r>
               <a:rPr lang="ko-KR" altLang="en-US" dirty="0" err="1">
                 <a:ea typeface="맑은 고딕"/>
               </a:rPr>
-              <a:t>쉐이크와</a:t>
+              <a:t>파티클</a:t>
             </a:r>
             <a:r>
               <a:rPr lang="ko-KR" altLang="en-US" dirty="0">
                 <a:ea typeface="맑은 고딕"/>
               </a:rPr>
-              <a:t> 스프링암을 동적으로 조절하여 긴장감 부여  </a:t>
-            </a:r>
+              <a:t> 및 </a:t>
+            </a:r>
+            <a:r>
+              <a:rPr lang="ko-KR" altLang="en-US" dirty="0" err="1">
+                <a:ea typeface="맑은 고딕"/>
+              </a:rPr>
+              <a:t>모프타겟과</a:t>
+            </a:r>
+            <a:r>
+              <a:rPr lang="ko-KR" altLang="en-US" dirty="0">
+                <a:ea typeface="맑은 고딕"/>
+              </a:rPr>
+              <a:t> 함께 활용한 연출</a:t>
+            </a:r>
+          </a:p>
+          <a:p>
+            <a:pPr marL="285750" indent="-285750">
+              <a:buFont typeface="Calibri"/>
+              <a:buChar char="-"/>
+            </a:pPr>
             <a:endParaRPr lang="ko-KR" altLang="en-US" dirty="0">
-              <a:ea typeface="맑은 고딕" panose="020B0503020000020004" pitchFamily="34" charset="-127"/>
+              <a:ea typeface="맑은 고딕"/>
             </a:endParaRPr>
           </a:p>
         </p:txBody>
@@ -3378,7 +3630,7 @@
     </p:spTree>
     <p:extLst>
       <p:ext uri="{BB962C8B-B14F-4D97-AF65-F5344CB8AC3E}">
-        <p14:creationId xmlns:p14="http://schemas.microsoft.com/office/powerpoint/2010/main" val="3282511220"/>
+        <p14:creationId xmlns:p14="http://schemas.microsoft.com/office/powerpoint/2010/main" val="1811159132"/>
       </p:ext>
     </p:extLst>
   </p:cSld>
